--- a/data/telegram_bot.pptx
+++ b/data/telegram_bot.pptx
@@ -843,7 +843,7 @@
           <a:p>
             <a:fld id="{D74667B2-F530-47B8-91CD-CB3D6F5D3B30}" type="datetimeFigureOut">
               <a:rPr lang="ru-RU" smtClean="0"/>
-              <a:t>06.05.2022</a:t>
+              <a:t>09.05.2022</a:t>
             </a:fld>
             <a:endParaRPr lang="ru-RU"/>
           </a:p>
@@ -1094,7 +1094,7 @@
           <a:p>
             <a:fld id="{D74667B2-F530-47B8-91CD-CB3D6F5D3B30}" type="datetimeFigureOut">
               <a:rPr lang="ru-RU" smtClean="0"/>
-              <a:t>06.05.2022</a:t>
+              <a:t>09.05.2022</a:t>
             </a:fld>
             <a:endParaRPr lang="ru-RU"/>
           </a:p>
@@ -1408,7 +1408,7 @@
           <a:p>
             <a:fld id="{D74667B2-F530-47B8-91CD-CB3D6F5D3B30}" type="datetimeFigureOut">
               <a:rPr lang="ru-RU" smtClean="0"/>
-              <a:t>06.05.2022</a:t>
+              <a:t>09.05.2022</a:t>
             </a:fld>
             <a:endParaRPr lang="ru-RU"/>
           </a:p>
@@ -1749,7 +1749,7 @@
           <a:p>
             <a:fld id="{D74667B2-F530-47B8-91CD-CB3D6F5D3B30}" type="datetimeFigureOut">
               <a:rPr lang="ru-RU" smtClean="0"/>
-              <a:t>06.05.2022</a:t>
+              <a:t>09.05.2022</a:t>
             </a:fld>
             <a:endParaRPr lang="ru-RU"/>
           </a:p>
@@ -2063,7 +2063,7 @@
           <a:p>
             <a:fld id="{D74667B2-F530-47B8-91CD-CB3D6F5D3B30}" type="datetimeFigureOut">
               <a:rPr lang="ru-RU" smtClean="0"/>
-              <a:t>06.05.2022</a:t>
+              <a:t>09.05.2022</a:t>
             </a:fld>
             <a:endParaRPr lang="ru-RU"/>
           </a:p>
@@ -2456,7 +2456,7 @@
           <a:p>
             <a:fld id="{D74667B2-F530-47B8-91CD-CB3D6F5D3B30}" type="datetimeFigureOut">
               <a:rPr lang="ru-RU" smtClean="0"/>
-              <a:t>06.05.2022</a:t>
+              <a:t>09.05.2022</a:t>
             </a:fld>
             <a:endParaRPr lang="ru-RU"/>
           </a:p>
@@ -2626,7 +2626,7 @@
           <a:p>
             <a:fld id="{D74667B2-F530-47B8-91CD-CB3D6F5D3B30}" type="datetimeFigureOut">
               <a:rPr lang="ru-RU" smtClean="0"/>
-              <a:t>06.05.2022</a:t>
+              <a:t>09.05.2022</a:t>
             </a:fld>
             <a:endParaRPr lang="ru-RU"/>
           </a:p>
@@ -2806,7 +2806,7 @@
           <a:p>
             <a:fld id="{D74667B2-F530-47B8-91CD-CB3D6F5D3B30}" type="datetimeFigureOut">
               <a:rPr lang="ru-RU" smtClean="0"/>
-              <a:t>06.05.2022</a:t>
+              <a:t>09.05.2022</a:t>
             </a:fld>
             <a:endParaRPr lang="ru-RU"/>
           </a:p>
@@ -2982,7 +2982,7 @@
           <a:p>
             <a:fld id="{D74667B2-F530-47B8-91CD-CB3D6F5D3B30}" type="datetimeFigureOut">
               <a:rPr lang="ru-RU" smtClean="0"/>
-              <a:t>06.05.2022</a:t>
+              <a:t>09.05.2022</a:t>
             </a:fld>
             <a:endParaRPr lang="ru-RU"/>
           </a:p>
@@ -3229,7 +3229,7 @@
           <a:p>
             <a:fld id="{D74667B2-F530-47B8-91CD-CB3D6F5D3B30}" type="datetimeFigureOut">
               <a:rPr lang="ru-RU" smtClean="0"/>
-              <a:t>06.05.2022</a:t>
+              <a:t>09.05.2022</a:t>
             </a:fld>
             <a:endParaRPr lang="ru-RU"/>
           </a:p>
@@ -3461,7 +3461,7 @@
           <a:p>
             <a:fld id="{D74667B2-F530-47B8-91CD-CB3D6F5D3B30}" type="datetimeFigureOut">
               <a:rPr lang="ru-RU" smtClean="0"/>
-              <a:t>06.05.2022</a:t>
+              <a:t>09.05.2022</a:t>
             </a:fld>
             <a:endParaRPr lang="ru-RU"/>
           </a:p>
@@ -3835,7 +3835,7 @@
           <a:p>
             <a:fld id="{D74667B2-F530-47B8-91CD-CB3D6F5D3B30}" type="datetimeFigureOut">
               <a:rPr lang="ru-RU" smtClean="0"/>
-              <a:t>06.05.2022</a:t>
+              <a:t>09.05.2022</a:t>
             </a:fld>
             <a:endParaRPr lang="ru-RU"/>
           </a:p>
@@ -3958,7 +3958,7 @@
           <a:p>
             <a:fld id="{D74667B2-F530-47B8-91CD-CB3D6F5D3B30}" type="datetimeFigureOut">
               <a:rPr lang="ru-RU" smtClean="0"/>
-              <a:t>06.05.2022</a:t>
+              <a:t>09.05.2022</a:t>
             </a:fld>
             <a:endParaRPr lang="ru-RU"/>
           </a:p>
@@ -4053,7 +4053,7 @@
           <a:p>
             <a:fld id="{D74667B2-F530-47B8-91CD-CB3D6F5D3B30}" type="datetimeFigureOut">
               <a:rPr lang="ru-RU" smtClean="0"/>
-              <a:t>06.05.2022</a:t>
+              <a:t>09.05.2022</a:t>
             </a:fld>
             <a:endParaRPr lang="ru-RU"/>
           </a:p>
@@ -4308,7 +4308,7 @@
           <a:p>
             <a:fld id="{D74667B2-F530-47B8-91CD-CB3D6F5D3B30}" type="datetimeFigureOut">
               <a:rPr lang="ru-RU" smtClean="0"/>
-              <a:t>06.05.2022</a:t>
+              <a:t>09.05.2022</a:t>
             </a:fld>
             <a:endParaRPr lang="ru-RU"/>
           </a:p>
@@ -4571,7 +4571,7 @@
           <a:p>
             <a:fld id="{D74667B2-F530-47B8-91CD-CB3D6F5D3B30}" type="datetimeFigureOut">
               <a:rPr lang="ru-RU" smtClean="0"/>
-              <a:t>06.05.2022</a:t>
+              <a:t>09.05.2022</a:t>
             </a:fld>
             <a:endParaRPr lang="ru-RU"/>
           </a:p>
@@ -5314,7 +5314,7 @@
           <a:p>
             <a:fld id="{D74667B2-F530-47B8-91CD-CB3D6F5D3B30}" type="datetimeFigureOut">
               <a:rPr lang="ru-RU" smtClean="0"/>
-              <a:t>06.05.2022</a:t>
+              <a:t>09.05.2022</a:t>
             </a:fld>
             <a:endParaRPr lang="ru-RU"/>
           </a:p>
@@ -6681,7 +6681,7 @@
       </p:pic>
       <p:pic>
         <p:nvPicPr>
-          <p:cNvPr id="6" name="Рисунок 5"/>
+          <p:cNvPr id="7" name="Рисунок 6"/>
           <p:cNvPicPr>
             <a:picLocks noChangeAspect="1"/>
           </p:cNvPicPr>
@@ -6695,8 +6695,8 @@
         </p:blipFill>
         <p:spPr>
           <a:xfrm>
-            <a:off x="4235597" y="1930400"/>
-            <a:ext cx="6639852" cy="1905266"/>
+            <a:off x="4235597" y="3944741"/>
+            <a:ext cx="6535062" cy="1400370"/>
           </a:xfrm>
           <a:prstGeom prst="rect">
             <a:avLst/>
@@ -6705,7 +6705,7 @@
       </p:pic>
       <p:pic>
         <p:nvPicPr>
-          <p:cNvPr id="7" name="Рисунок 6"/>
+          <p:cNvPr id="3" name="Рисунок 2"/>
           <p:cNvPicPr>
             <a:picLocks noChangeAspect="1"/>
           </p:cNvPicPr>
@@ -6719,8 +6719,8 @@
         </p:blipFill>
         <p:spPr>
           <a:xfrm>
-            <a:off x="4235597" y="3944741"/>
-            <a:ext cx="6535062" cy="1400370"/>
+            <a:off x="4235597" y="1930400"/>
+            <a:ext cx="6535062" cy="1825616"/>
           </a:xfrm>
           <a:prstGeom prst="rect">
             <a:avLst/>
